--- a/Training Materials/Day 3/Spring Boot/Slides/3. Bootstrapping a Simple Application/bootstrapping-a-simple-application-slides.pptx
+++ b/Training Materials/Day 3/Spring Boot/Slides/3. Bootstrapping a Simple Application/bootstrapping-a-simple-application-slides.pptx
@@ -123,6 +123,22 @@
       </a:defRPr>
     </a:lvl9pPr>
   </p:defaultTextStyle>
+  <p:extLst>
+    <p:ext uri="{EFAFB233-063F-42B5-8137-9DF3F51BA10A}">
+      <p15:sldGuideLst xmlns:p15="http://schemas.microsoft.com/office/powerpoint/2012/main">
+        <p15:guide id="1" orient="horz" pos="2880" userDrawn="1">
+          <p15:clr>
+            <a:srgbClr val="A4A3A4"/>
+          </p15:clr>
+        </p15:guide>
+        <p15:guide id="2" pos="2160" userDrawn="1">
+          <p15:clr>
+            <a:srgbClr val="A4A3A4"/>
+          </p15:clr>
+        </p15:guide>
+      </p15:sldGuideLst>
+    </p:ext>
+  </p:extLst>
 </p:presentation>
 </file>
 
@@ -500,34 +516,12 @@
       </p:grpSpPr>
       <p:pic>
         <p:nvPicPr>
-          <p:cNvPr id="16" name="bg object 16"/>
+          <p:cNvPr id="17" name="bg object 17"/>
           <p:cNvPicPr/>
           <p:nvPr/>
         </p:nvPicPr>
         <p:blipFill>
           <a:blip r:embed="rId2" cstate="print"/>
-          <a:stretch>
-            <a:fillRect/>
-          </a:stretch>
-        </p:blipFill>
-        <p:spPr>
-          <a:xfrm>
-            <a:off x="11494007" y="6184391"/>
-            <a:ext cx="454151" cy="451104"/>
-          </a:xfrm>
-          <a:prstGeom prst="rect">
-            <a:avLst/>
-          </a:prstGeom>
-        </p:spPr>
-      </p:pic>
-      <p:pic>
-        <p:nvPicPr>
-          <p:cNvPr id="17" name="bg object 17"/>
-          <p:cNvPicPr/>
-          <p:nvPr/>
-        </p:nvPicPr>
-        <p:blipFill>
-          <a:blip r:embed="rId3" cstate="print"/>
           <a:stretch>
             <a:fillRect/>
           </a:stretch>
@@ -1110,34 +1104,12 @@
       </p:grpSpPr>
       <p:pic>
         <p:nvPicPr>
-          <p:cNvPr id="16" name="bg object 16"/>
+          <p:cNvPr id="17" name="bg object 17"/>
           <p:cNvPicPr/>
           <p:nvPr/>
         </p:nvPicPr>
         <p:blipFill>
           <a:blip r:embed="rId2" cstate="print"/>
-          <a:stretch>
-            <a:fillRect/>
-          </a:stretch>
-        </p:blipFill>
-        <p:spPr>
-          <a:xfrm>
-            <a:off x="11494007" y="6184391"/>
-            <a:ext cx="454151" cy="451104"/>
-          </a:xfrm>
-          <a:prstGeom prst="rect">
-            <a:avLst/>
-          </a:prstGeom>
-        </p:spPr>
-      </p:pic>
-      <p:pic>
-        <p:nvPicPr>
-          <p:cNvPr id="17" name="bg object 17"/>
-          <p:cNvPicPr/>
-          <p:nvPr/>
-        </p:nvPicPr>
-        <p:blipFill>
-          <a:blip r:embed="rId3" cstate="print"/>
           <a:stretch>
             <a:fillRect/>
           </a:stretch>
@@ -1352,28 +1324,6 @@
           <a:p/>
         </p:txBody>
       </p:sp>
-      <p:pic>
-        <p:nvPicPr>
-          <p:cNvPr id="17" name="bg object 17"/>
-          <p:cNvPicPr/>
-          <p:nvPr/>
-        </p:nvPicPr>
-        <p:blipFill>
-          <a:blip r:embed="rId2" cstate="print"/>
-          <a:stretch>
-            <a:fillRect/>
-          </a:stretch>
-        </p:blipFill>
-        <p:spPr>
-          <a:xfrm>
-            <a:off x="11494007" y="6184391"/>
-            <a:ext cx="454151" cy="451104"/>
-          </a:xfrm>
-          <a:prstGeom prst="rect">
-            <a:avLst/>
-          </a:prstGeom>
-        </p:spPr>
-      </p:pic>
       <p:sp>
         <p:nvSpPr>
           <p:cNvPr id="2" name="Holder 2"/>
@@ -1499,28 +1449,6 @@
           <a:chExt cx="0" cy="0"/>
         </a:xfrm>
       </p:grpSpPr>
-      <p:pic>
-        <p:nvPicPr>
-          <p:cNvPr id="16" name="bg object 16"/>
-          <p:cNvPicPr/>
-          <p:nvPr/>
-        </p:nvPicPr>
-        <p:blipFill>
-          <a:blip r:embed="rId6" cstate="print"/>
-          <a:stretch>
-            <a:fillRect/>
-          </a:stretch>
-        </p:blipFill>
-        <p:spPr>
-          <a:xfrm>
-            <a:off x="11494007" y="6184391"/>
-            <a:ext cx="454151" cy="451104"/>
-          </a:xfrm>
-          <a:prstGeom prst="rect">
-            <a:avLst/>
-          </a:prstGeom>
-        </p:spPr>
-      </p:pic>
       <p:sp>
         <p:nvSpPr>
           <p:cNvPr id="2" name="Holder 2"/>
@@ -8104,34 +8032,12 @@
       </p:grpSpPr>
       <p:pic>
         <p:nvPicPr>
-          <p:cNvPr id="2" name="object 2"/>
+          <p:cNvPr id="3" name="object 3"/>
           <p:cNvPicPr/>
           <p:nvPr/>
         </p:nvPicPr>
         <p:blipFill>
           <a:blip r:embed="rId1" cstate="print"/>
-          <a:stretch>
-            <a:fillRect/>
-          </a:stretch>
-        </p:blipFill>
-        <p:spPr>
-          <a:xfrm>
-            <a:off x="11494007" y="6184391"/>
-            <a:ext cx="454151" cy="451104"/>
-          </a:xfrm>
-          <a:prstGeom prst="rect">
-            <a:avLst/>
-          </a:prstGeom>
-        </p:spPr>
-      </p:pic>
-      <p:pic>
-        <p:nvPicPr>
-          <p:cNvPr id="3" name="object 3"/>
-          <p:cNvPicPr/>
-          <p:nvPr/>
-        </p:nvPicPr>
-        <p:blipFill>
-          <a:blip r:embed="rId2" cstate="print"/>
           <a:stretch>
             <a:fillRect/>
           </a:stretch>
@@ -8309,7 +8215,7 @@
                 <a:latin typeface="Verdana" panose="020B0604030504040204"/>
                 <a:cs typeface="Verdana" panose="020B0604030504040204"/>
               </a:rPr>
-              <a:t>STS </a:t>
+              <a:t>IntelliJ </a:t>
             </a:r>
             <a:r>
               <a:rPr sz="2400" spc="20" dirty="0">
